--- a/presentation projet groupe.pptx
+++ b/presentation projet groupe.pptx
@@ -141,7 +141,7 @@
 <file path=ppt/revisionInfo.xml><?xml version="1.0" encoding="utf-8"?>
 <p1510:revInfo xmlns:a="http://schemas.openxmlformats.org/drawingml/2006/main" xmlns:r="http://schemas.openxmlformats.org/officeDocument/2006/relationships" xmlns:p1510="http://schemas.microsoft.com/office/powerpoint/2015/10/main">
   <p1510:revLst>
-    <p1510:client id="{F8CF96F1-0607-4505-9E53-1D73001B6391}" v="2" dt="2024-04-05T10:27:27.920"/>
+    <p1510:client id="{F8CF96F1-0607-4505-9E53-1D73001B6391}" v="3" dt="2024-04-05T11:17:52.742"/>
   </p1510:revLst>
 </p1510:revInfo>
 </file>
@@ -13689,7 +13689,7 @@
         </p:nvSpPr>
         <p:spPr>
           <a:xfrm>
-            <a:off x="323710" y="1481255"/>
+            <a:off x="323710" y="0"/>
             <a:ext cx="4899628" cy="2331490"/>
           </a:xfrm>
           <a:noFill/>
@@ -13832,6 +13832,112 @@
           </a:lstStyle>
           <a:p>
             <a:pPr algn="ctr" rtl="0"/>
+            <a:endParaRPr lang="fr-FR" dirty="0"/>
+          </a:p>
+        </p:txBody>
+      </p:sp>
+      <p:sp>
+        <p:nvSpPr>
+          <p:cNvPr id="3" name="ZoneTexte 2">
+            <a:extLst>
+              <a:ext uri="{FF2B5EF4-FFF2-40B4-BE49-F238E27FC236}">
+                <a16:creationId xmlns:a16="http://schemas.microsoft.com/office/drawing/2014/main" id="{9F1E5000-7664-7BD8-693A-91F7C862671B}"/>
+              </a:ext>
+            </a:extLst>
+          </p:cNvPr>
+          <p:cNvSpPr txBox="1"/>
+          <p:nvPr/>
+        </p:nvSpPr>
+        <p:spPr>
+          <a:xfrm>
+            <a:off x="996696" y="2624328"/>
+            <a:ext cx="4407408" cy="2031325"/>
+          </a:xfrm>
+          <a:prstGeom prst="rect">
+            <a:avLst/>
+          </a:prstGeom>
+          <a:noFill/>
+        </p:spPr>
+        <p:txBody>
+          <a:bodyPr wrap="square" rtlCol="0">
+            <a:spAutoFit/>
+          </a:bodyPr>
+          <a:lstStyle/>
+          <a:p>
+            <a:pPr marL="342900" indent="-342900">
+              <a:buFont typeface="+mj-lt"/>
+              <a:buAutoNum type="arabicPeriod"/>
+            </a:pPr>
+            <a:r>
+              <a:rPr lang="fr-FR" dirty="0"/>
+              <a:t>Spring Security</a:t>
+            </a:r>
+          </a:p>
+          <a:p>
+            <a:pPr marL="342900" indent="-342900">
+              <a:buFont typeface="+mj-lt"/>
+              <a:buAutoNum type="arabicPeriod"/>
+            </a:pPr>
+            <a:r>
+              <a:rPr lang="fr-FR" dirty="0"/>
+              <a:t>Développement en couche</a:t>
+            </a:r>
+          </a:p>
+          <a:p>
+            <a:pPr marL="342900" indent="-342900">
+              <a:buFont typeface="+mj-lt"/>
+              <a:buAutoNum type="arabicPeriod"/>
+            </a:pPr>
+            <a:r>
+              <a:rPr lang="fr-FR" dirty="0" err="1"/>
+              <a:t>EnchèreSecurityConfig</a:t>
+            </a:r>
+            <a:endParaRPr lang="fr-FR" dirty="0"/>
+          </a:p>
+          <a:p>
+            <a:pPr marL="342900" indent="-342900">
+              <a:buFont typeface="+mj-lt"/>
+              <a:buAutoNum type="arabicPeriod"/>
+            </a:pPr>
+            <a:r>
+              <a:rPr lang="fr-FR" dirty="0" err="1"/>
+              <a:t>PasswordEncoder</a:t>
+            </a:r>
+            <a:endParaRPr lang="fr-FR" dirty="0"/>
+          </a:p>
+          <a:p>
+            <a:pPr marL="342900" indent="-342900">
+              <a:buFont typeface="+mj-lt"/>
+              <a:buAutoNum type="arabicPeriod"/>
+            </a:pPr>
+            <a:r>
+              <a:rPr lang="fr-FR" dirty="0"/>
+              <a:t>Validation sur les BO</a:t>
+            </a:r>
+          </a:p>
+          <a:p>
+            <a:pPr marL="342900" indent="-342900">
+              <a:buFont typeface="+mj-lt"/>
+              <a:buAutoNum type="arabicPeriod"/>
+            </a:pPr>
+            <a:r>
+              <a:rPr lang="fr-FR" dirty="0"/>
+              <a:t>Double validation JS</a:t>
+            </a:r>
+          </a:p>
+          <a:p>
+            <a:pPr marL="342900" indent="-342900">
+              <a:buFont typeface="+mj-lt"/>
+              <a:buAutoNum type="arabicPeriod"/>
+            </a:pPr>
+            <a:r>
+              <a:rPr lang="fr-FR" dirty="0"/>
+              <a:t>Url </a:t>
+            </a:r>
+            <a:r>
+              <a:rPr lang="fr-FR"/>
+              <a:t>accès limité</a:t>
+            </a:r>
             <a:endParaRPr lang="fr-FR" dirty="0"/>
           </a:p>
         </p:txBody>
@@ -14833,6 +14939,26 @@
 </file>
 
 <file path=customXml/item1.xml><?xml version="1.0" encoding="utf-8"?>
+<p:properties xmlns:p="http://schemas.microsoft.com/office/2006/metadata/properties" xmlns:xsi="http://www.w3.org/2001/XMLSchema-instance" xmlns:pc="http://schemas.microsoft.com/office/infopath/2007/PartnerControls">
+  <documentManagement>
+    <_ip_UnifiedCompliancePolicyUIAction xmlns="http://schemas.microsoft.com/sharepoint/v3" xsi:nil="true"/>
+    <Image xmlns="71af3243-3dd4-4a8d-8c0d-dd76da1f02a5">
+      <Url xsi:nil="true"/>
+      <Description xsi:nil="true"/>
+    </Image>
+    <Status xmlns="71af3243-3dd4-4a8d-8c0d-dd76da1f02a5">Not started</Status>
+    <Background xmlns="71af3243-3dd4-4a8d-8c0d-dd76da1f02a5">false</Background>
+    <_ip_UnifiedCompliancePolicyProperties xmlns="http://schemas.microsoft.com/sharepoint/v3" xsi:nil="true"/>
+    <ImageTagsTaxHTField xmlns="71af3243-3dd4-4a8d-8c0d-dd76da1f02a5">
+      <Terms xmlns="http://schemas.microsoft.com/office/infopath/2007/PartnerControls"/>
+    </ImageTagsTaxHTField>
+    <TaxCatchAll xmlns="230e9df3-be65-4c73-a93b-d1236ebd677e" xsi:nil="true"/>
+    <MediaServiceKeyPoints xmlns="71af3243-3dd4-4a8d-8c0d-dd76da1f02a5" xsi:nil="true"/>
+  </documentManagement>
+</p:properties>
+</file>
+
+<file path=customXml/item2.xml><?xml version="1.0" encoding="utf-8"?>
 <ct:contentTypeSchema xmlns:ct="http://schemas.microsoft.com/office/2006/metadata/contentType" xmlns:ma="http://schemas.microsoft.com/office/2006/metadata/properties/metaAttributes" ct:_="" ma:_="" ma:contentTypeName="Document" ma:contentTypeID="0x01010079F111ED35F8CC479449609E8A0923A6" ma:contentTypeVersion="28" ma:contentTypeDescription="Create a new document." ma:contentTypeScope="" ma:versionID="60f5a4f2d2b0abadcf532d48ebf9cb71">
   <xsd:schema xmlns:xsd="http://www.w3.org/2001/XMLSchema" xmlns:xs="http://www.w3.org/2001/XMLSchema" xmlns:p="http://schemas.microsoft.com/office/2006/metadata/properties" xmlns:ns1="http://schemas.microsoft.com/sharepoint/v3" xmlns:ns2="71af3243-3dd4-4a8d-8c0d-dd76da1f02a5" xmlns:ns3="16c05727-aa75-4e4a-9b5f-8a80a1165891" xmlns:ns4="230e9df3-be65-4c73-a93b-d1236ebd677e" targetNamespace="http://schemas.microsoft.com/office/2006/metadata/properties" ma:root="true" ma:fieldsID="7dd78129e6a1811f84807ad11c651531" ns1:_="" ns2:_="" ns3:_="" ns4:_="">
     <xsd:import namespace="http://schemas.microsoft.com/sharepoint/v3"/>
@@ -15144,26 +15270,6 @@
 </ct:contentTypeSchema>
 </file>
 
-<file path=customXml/item2.xml><?xml version="1.0" encoding="utf-8"?>
-<p:properties xmlns:p="http://schemas.microsoft.com/office/2006/metadata/properties" xmlns:xsi="http://www.w3.org/2001/XMLSchema-instance" xmlns:pc="http://schemas.microsoft.com/office/infopath/2007/PartnerControls">
-  <documentManagement>
-    <_ip_UnifiedCompliancePolicyUIAction xmlns="http://schemas.microsoft.com/sharepoint/v3" xsi:nil="true"/>
-    <Image xmlns="71af3243-3dd4-4a8d-8c0d-dd76da1f02a5">
-      <Url xsi:nil="true"/>
-      <Description xsi:nil="true"/>
-    </Image>
-    <Status xmlns="71af3243-3dd4-4a8d-8c0d-dd76da1f02a5">Not started</Status>
-    <Background xmlns="71af3243-3dd4-4a8d-8c0d-dd76da1f02a5">false</Background>
-    <_ip_UnifiedCompliancePolicyProperties xmlns="http://schemas.microsoft.com/sharepoint/v3" xsi:nil="true"/>
-    <ImageTagsTaxHTField xmlns="71af3243-3dd4-4a8d-8c0d-dd76da1f02a5">
-      <Terms xmlns="http://schemas.microsoft.com/office/infopath/2007/PartnerControls"/>
-    </ImageTagsTaxHTField>
-    <TaxCatchAll xmlns="230e9df3-be65-4c73-a93b-d1236ebd677e" xsi:nil="true"/>
-    <MediaServiceKeyPoints xmlns="71af3243-3dd4-4a8d-8c0d-dd76da1f02a5" xsi:nil="true"/>
-  </documentManagement>
-</p:properties>
-</file>
-
 <file path=customXml/item3.xml><?xml version="1.0" encoding="utf-8"?>
 <?mso-contentType ?>
 <FormTemplates xmlns="http://schemas.microsoft.com/sharepoint/v3/contenttype/forms">
@@ -15174,6 +15280,25 @@
 </file>
 
 <file path=customXml/itemProps1.xml><?xml version="1.0" encoding="utf-8"?>
+<ds:datastoreItem xmlns:ds="http://schemas.openxmlformats.org/officeDocument/2006/customXml" ds:itemID="{1F342EE1-43E5-4AFB-895D-B61B9656DC14}">
+  <ds:schemaRefs>
+    <ds:schemaRef ds:uri="http://schemas.microsoft.com/office/2006/documentManagement/types"/>
+    <ds:schemaRef ds:uri="http://schemas.microsoft.com/sharepoint/v3"/>
+    <ds:schemaRef ds:uri="http://purl.org/dc/dcmitype/"/>
+    <ds:schemaRef ds:uri="http://purl.org/dc/elements/1.1/"/>
+    <ds:schemaRef ds:uri="http://purl.org/dc/terms/"/>
+    <ds:schemaRef ds:uri="http://schemas.microsoft.com/office/infopath/2007/PartnerControls"/>
+    <ds:schemaRef ds:uri="http://schemas.microsoft.com/office/2006/metadata/properties"/>
+    <ds:schemaRef ds:uri="http://www.w3.org/XML/1998/namespace"/>
+    <ds:schemaRef ds:uri="http://schemas.openxmlformats.org/package/2006/metadata/core-properties"/>
+    <ds:schemaRef ds:uri="230e9df3-be65-4c73-a93b-d1236ebd677e"/>
+    <ds:schemaRef ds:uri="16c05727-aa75-4e4a-9b5f-8a80a1165891"/>
+    <ds:schemaRef ds:uri="71af3243-3dd4-4a8d-8c0d-dd76da1f02a5"/>
+  </ds:schemaRefs>
+</ds:datastoreItem>
+</file>
+
+<file path=customXml/itemProps2.xml><?xml version="1.0" encoding="utf-8"?>
 <ds:datastoreItem xmlns:ds="http://schemas.openxmlformats.org/officeDocument/2006/customXml" ds:itemID="{797783A8-901D-4F73-81D7-AA6841BEB3D7}">
   <ds:schemaRefs>
     <ds:schemaRef ds:uri="http://schemas.microsoft.com/office/2006/metadata/contentType"/>
@@ -15194,25 +15319,6 @@
 </ds:datastoreItem>
 </file>
 
-<file path=customXml/itemProps2.xml><?xml version="1.0" encoding="utf-8"?>
-<ds:datastoreItem xmlns:ds="http://schemas.openxmlformats.org/officeDocument/2006/customXml" ds:itemID="{1F342EE1-43E5-4AFB-895D-B61B9656DC14}">
-  <ds:schemaRefs>
-    <ds:schemaRef ds:uri="http://schemas.microsoft.com/office/2006/documentManagement/types"/>
-    <ds:schemaRef ds:uri="http://schemas.microsoft.com/sharepoint/v3"/>
-    <ds:schemaRef ds:uri="http://purl.org/dc/dcmitype/"/>
-    <ds:schemaRef ds:uri="http://purl.org/dc/elements/1.1/"/>
-    <ds:schemaRef ds:uri="http://purl.org/dc/terms/"/>
-    <ds:schemaRef ds:uri="http://schemas.microsoft.com/office/infopath/2007/PartnerControls"/>
-    <ds:schemaRef ds:uri="http://schemas.microsoft.com/office/2006/metadata/properties"/>
-    <ds:schemaRef ds:uri="http://www.w3.org/XML/1998/namespace"/>
-    <ds:schemaRef ds:uri="http://schemas.openxmlformats.org/package/2006/metadata/core-properties"/>
-    <ds:schemaRef ds:uri="230e9df3-be65-4c73-a93b-d1236ebd677e"/>
-    <ds:schemaRef ds:uri="16c05727-aa75-4e4a-9b5f-8a80a1165891"/>
-    <ds:schemaRef ds:uri="71af3243-3dd4-4a8d-8c0d-dd76da1f02a5"/>
-  </ds:schemaRefs>
-</ds:datastoreItem>
-</file>
-
 <file path=customXml/itemProps3.xml><?xml version="1.0" encoding="utf-8"?>
 <ds:datastoreItem xmlns:ds="http://schemas.openxmlformats.org/officeDocument/2006/customXml" ds:itemID="{2F49CD38-5B57-4682-9FCE-B9174068D0AE}">
   <ds:schemaRefs>
